--- a/Documentation/Presentation/BruteForce  Indoor Mall Navigation - Demo 3.pptx
+++ b/Documentation/Presentation/BruteForce  Indoor Mall Navigation - Demo 3.pptx
@@ -4712,7 +4712,7 @@
                 </a:solidFill>
                 <a:latin typeface="Calibri"/>
               </a:rPr>
-              <a:t>2019/07/18</a:t>
+              <a:t>2019/07/19</a:t>
             </a:fld>
             <a:endParaRPr lang="en-ZA" sz="1200" b="0" strike="noStrike" spc="-1">
               <a:latin typeface="Times New Roman"/>
@@ -5522,7 +5522,7 @@
                 </a:solidFill>
                 <a:latin typeface="Calibri"/>
               </a:rPr>
-              <a:t>2019/07/18</a:t>
+              <a:t>2019/07/19</a:t>
             </a:fld>
             <a:endParaRPr lang="en-ZA" sz="1200" b="0" strike="noStrike" spc="-1">
               <a:latin typeface="Times New Roman"/>
@@ -6008,7 +6008,7 @@
                 </a:solidFill>
                 <a:latin typeface="Calibri"/>
               </a:rPr>
-              <a:t>2019/07/18</a:t>
+              <a:t>2019/07/19</a:t>
             </a:fld>
             <a:endParaRPr lang="en-ZA" sz="1200" b="0" strike="noStrike" spc="-1">
               <a:latin typeface="Times New Roman"/>
@@ -7873,78 +7873,6 @@
       </p:pic>
       <p:pic>
         <p:nvPicPr>
-          <p:cNvPr id="22" name="Picture 21">
-            <a:extLst>
-              <a:ext uri="{FF2B5EF4-FFF2-40B4-BE49-F238E27FC236}">
-                <a16:creationId xmlns:a16="http://schemas.microsoft.com/office/drawing/2014/main" id="{63EC5B76-34D6-4533-B60E-37A3C1DCD9C7}"/>
-              </a:ext>
-            </a:extLst>
-          </p:cNvPr>
-          <p:cNvPicPr>
-            <a:picLocks noChangeAspect="1"/>
-          </p:cNvPicPr>
-          <p:nvPr/>
-        </p:nvPicPr>
-        <p:blipFill>
-          <a:blip r:embed="rId3">
-            <a:extLst>
-              <a:ext uri="{28A0092B-C50C-407E-A947-70E740481C1C}">
-                <a14:useLocalDpi xmlns:a14="http://schemas.microsoft.com/office/drawing/2010/main" val="0"/>
-              </a:ext>
-            </a:extLst>
-          </a:blip>
-          <a:stretch>
-            <a:fillRect/>
-          </a:stretch>
-        </p:blipFill>
-        <p:spPr>
-          <a:xfrm>
-            <a:off x="2496660" y="5521132"/>
-            <a:ext cx="248592" cy="237100"/>
-          </a:xfrm>
-          <a:prstGeom prst="rect">
-            <a:avLst/>
-          </a:prstGeom>
-        </p:spPr>
-      </p:pic>
-      <p:pic>
-        <p:nvPicPr>
-          <p:cNvPr id="23" name="Picture 22">
-            <a:extLst>
-              <a:ext uri="{FF2B5EF4-FFF2-40B4-BE49-F238E27FC236}">
-                <a16:creationId xmlns:a16="http://schemas.microsoft.com/office/drawing/2014/main" id="{AA62F2E1-0C42-434E-BDEA-054C43E95805}"/>
-              </a:ext>
-            </a:extLst>
-          </p:cNvPr>
-          <p:cNvPicPr>
-            <a:picLocks noChangeAspect="1"/>
-          </p:cNvPicPr>
-          <p:nvPr/>
-        </p:nvPicPr>
-        <p:blipFill>
-          <a:blip r:embed="rId3">
-            <a:extLst>
-              <a:ext uri="{28A0092B-C50C-407E-A947-70E740481C1C}">
-                <a14:useLocalDpi xmlns:a14="http://schemas.microsoft.com/office/drawing/2010/main" val="0"/>
-              </a:ext>
-            </a:extLst>
-          </a:blip>
-          <a:stretch>
-            <a:fillRect/>
-          </a:stretch>
-        </p:blipFill>
-        <p:spPr>
-          <a:xfrm>
-            <a:off x="3701997" y="5870528"/>
-            <a:ext cx="248592" cy="237100"/>
-          </a:xfrm>
-          <a:prstGeom prst="rect">
-            <a:avLst/>
-          </a:prstGeom>
-        </p:spPr>
-      </p:pic>
-      <p:pic>
-        <p:nvPicPr>
           <p:cNvPr id="24" name="Picture 23">
             <a:extLst>
               <a:ext uri="{FF2B5EF4-FFF2-40B4-BE49-F238E27FC236}">
@@ -7973,6 +7901,114 @@
           <a:xfrm>
             <a:off x="2444083" y="4504379"/>
             <a:ext cx="248592" cy="237100"/>
+          </a:xfrm>
+          <a:prstGeom prst="rect">
+            <a:avLst/>
+          </a:prstGeom>
+        </p:spPr>
+      </p:pic>
+      <p:pic>
+        <p:nvPicPr>
+          <p:cNvPr id="19" name="Picture 18">
+            <a:extLst>
+              <a:ext uri="{FF2B5EF4-FFF2-40B4-BE49-F238E27FC236}">
+                <a16:creationId xmlns:a16="http://schemas.microsoft.com/office/drawing/2014/main" id="{A9C7FF98-83B8-4E8F-BB9F-3B6F011542C1}"/>
+              </a:ext>
+            </a:extLst>
+          </p:cNvPr>
+          <p:cNvPicPr>
+            <a:picLocks noChangeAspect="1"/>
+          </p:cNvPicPr>
+          <p:nvPr/>
+        </p:nvPicPr>
+        <p:blipFill>
+          <a:blip r:embed="rId5">
+            <a:extLst>
+              <a:ext uri="{28A0092B-C50C-407E-A947-70E740481C1C}">
+                <a14:useLocalDpi xmlns:a14="http://schemas.microsoft.com/office/drawing/2010/main" val="0"/>
+              </a:ext>
+            </a:extLst>
+          </a:blip>
+          <a:stretch>
+            <a:fillRect/>
+          </a:stretch>
+        </p:blipFill>
+        <p:spPr>
+          <a:xfrm>
+            <a:off x="3630689" y="5851209"/>
+            <a:ext cx="248592" cy="248592"/>
+          </a:xfrm>
+          <a:prstGeom prst="rect">
+            <a:avLst/>
+          </a:prstGeom>
+        </p:spPr>
+      </p:pic>
+      <p:pic>
+        <p:nvPicPr>
+          <p:cNvPr id="26" name="Picture 25">
+            <a:extLst>
+              <a:ext uri="{FF2B5EF4-FFF2-40B4-BE49-F238E27FC236}">
+                <a16:creationId xmlns:a16="http://schemas.microsoft.com/office/drawing/2014/main" id="{BC82275C-3D5C-427F-947C-55E9B80F00C7}"/>
+              </a:ext>
+            </a:extLst>
+          </p:cNvPr>
+          <p:cNvPicPr>
+            <a:picLocks noChangeAspect="1"/>
+          </p:cNvPicPr>
+          <p:nvPr/>
+        </p:nvPicPr>
+        <p:blipFill>
+          <a:blip r:embed="rId5">
+            <a:extLst>
+              <a:ext uri="{28A0092B-C50C-407E-A947-70E740481C1C}">
+                <a14:useLocalDpi xmlns:a14="http://schemas.microsoft.com/office/drawing/2010/main" val="0"/>
+              </a:ext>
+            </a:extLst>
+          </a:blip>
+          <a:stretch>
+            <a:fillRect/>
+          </a:stretch>
+        </p:blipFill>
+        <p:spPr>
+          <a:xfrm>
+            <a:off x="3506393" y="3875100"/>
+            <a:ext cx="248592" cy="248592"/>
+          </a:xfrm>
+          <a:prstGeom prst="rect">
+            <a:avLst/>
+          </a:prstGeom>
+        </p:spPr>
+      </p:pic>
+      <p:pic>
+        <p:nvPicPr>
+          <p:cNvPr id="27" name="Picture 26">
+            <a:extLst>
+              <a:ext uri="{FF2B5EF4-FFF2-40B4-BE49-F238E27FC236}">
+                <a16:creationId xmlns:a16="http://schemas.microsoft.com/office/drawing/2014/main" id="{FF5FFC2A-EFFA-4B0C-804E-6FEC6DFA5B28}"/>
+              </a:ext>
+            </a:extLst>
+          </p:cNvPr>
+          <p:cNvPicPr>
+            <a:picLocks noChangeAspect="1"/>
+          </p:cNvPicPr>
+          <p:nvPr/>
+        </p:nvPicPr>
+        <p:blipFill>
+          <a:blip r:embed="rId5">
+            <a:extLst>
+              <a:ext uri="{28A0092B-C50C-407E-A947-70E740481C1C}">
+                <a14:useLocalDpi xmlns:a14="http://schemas.microsoft.com/office/drawing/2010/main" val="0"/>
+              </a:ext>
+            </a:extLst>
+          </a:blip>
+          <a:stretch>
+            <a:fillRect/>
+          </a:stretch>
+        </p:blipFill>
+        <p:spPr>
+          <a:xfrm>
+            <a:off x="2615209" y="5493454"/>
+            <a:ext cx="248592" cy="248592"/>
           </a:xfrm>
           <a:prstGeom prst="rect">
             <a:avLst/>
